--- a/etc/見ました=中間発表　藤井.pptx
+++ b/etc/見ました=中間発表　藤井.pptx
@@ -5,25 +5,26 @@
     <p:sldMasterId id="2147483660" r:id="rId1"/>
   </p:sldMasterIdLst>
   <p:notesMasterIdLst>
-    <p:notesMasterId r:id="rId15"/>
+    <p:notesMasterId r:id="rId16"/>
   </p:notesMasterIdLst>
   <p:handoutMasterIdLst>
-    <p:handoutMasterId r:id="rId16"/>
+    <p:handoutMasterId r:id="rId17"/>
   </p:handoutMasterIdLst>
   <p:sldIdLst>
     <p:sldId id="257" r:id="rId2"/>
     <p:sldId id="348" r:id="rId3"/>
     <p:sldId id="377" r:id="rId4"/>
     <p:sldId id="380" r:id="rId5"/>
-    <p:sldId id="395" r:id="rId6"/>
-    <p:sldId id="397" r:id="rId7"/>
-    <p:sldId id="396" r:id="rId8"/>
-    <p:sldId id="402" r:id="rId9"/>
-    <p:sldId id="400" r:id="rId10"/>
-    <p:sldId id="399" r:id="rId11"/>
-    <p:sldId id="401" r:id="rId12"/>
-    <p:sldId id="281" r:id="rId13"/>
-    <p:sldId id="398" r:id="rId14"/>
+    <p:sldId id="403" r:id="rId6"/>
+    <p:sldId id="395" r:id="rId7"/>
+    <p:sldId id="397" r:id="rId8"/>
+    <p:sldId id="396" r:id="rId9"/>
+    <p:sldId id="402" r:id="rId10"/>
+    <p:sldId id="400" r:id="rId11"/>
+    <p:sldId id="399" r:id="rId12"/>
+    <p:sldId id="401" r:id="rId13"/>
+    <p:sldId id="281" r:id="rId14"/>
+    <p:sldId id="398" r:id="rId15"/>
   </p:sldIdLst>
   <p:sldSz cx="9144000" cy="6858000" type="screen4x3"/>
   <p:notesSz cx="6858000" cy="9144000"/>
@@ -2833,7 +2834,7 @@
           <a:p>
             <a:fld id="{EEA28337-7F4D-4B20-B42C-F170E24D20F7}" type="datetimeFigureOut">
               <a:rPr kumimoji="1" lang="ja-JP" altLang="en-US" smtClean="0"/>
-              <a:t>2021/7/26</a:t>
+              <a:t>2021/8/6</a:t>
             </a:fld>
             <a:endParaRPr kumimoji="1" lang="ja-JP" altLang="en-US"/>
           </a:p>
@@ -3011,7 +3012,7 @@
           <a:p>
             <a:fld id="{2571448D-9859-409A-8A77-A9E492EBC18C}" type="datetimeFigureOut">
               <a:rPr kumimoji="1" lang="ja-JP" altLang="en-US" smtClean="0"/>
-              <a:t>2021/7/26</a:t>
+              <a:t>2021/8/6</a:t>
             </a:fld>
             <a:endParaRPr kumimoji="1" lang="ja-JP" altLang="en-US"/>
           </a:p>
@@ -3489,7 +3490,7 @@
           <a:p>
             <a:fld id="{E5F90759-CC1A-4AAB-9F3B-0A2EA95A4F2E}" type="slidenum">
               <a:rPr kumimoji="1" lang="ja-JP" altLang="en-US" smtClean="0"/>
-              <a:t>10</a:t>
+              <a:t>11</a:t>
             </a:fld>
             <a:endParaRPr kumimoji="1" lang="ja-JP" altLang="en-US"/>
           </a:p>
@@ -3921,7 +3922,7 @@
           <a:p>
             <a:fld id="{E5F90759-CC1A-4AAB-9F3B-0A2EA95A4F2E}" type="slidenum">
               <a:rPr kumimoji="1" lang="ja-JP" altLang="en-US" smtClean="0"/>
-              <a:t>4</a:t>
+              <a:t>5</a:t>
             </a:fld>
             <a:endParaRPr kumimoji="1" lang="ja-JP" altLang="en-US"/>
           </a:p>
@@ -4029,7 +4030,7 @@
           <a:p>
             <a:fld id="{E5F90759-CC1A-4AAB-9F3B-0A2EA95A4F2E}" type="slidenum">
               <a:rPr kumimoji="1" lang="ja-JP" altLang="en-US" smtClean="0"/>
-              <a:t>5</a:t>
+              <a:t>6</a:t>
             </a:fld>
             <a:endParaRPr kumimoji="1" lang="ja-JP" altLang="en-US"/>
           </a:p>
@@ -4137,7 +4138,7 @@
           <a:p>
             <a:fld id="{E5F90759-CC1A-4AAB-9F3B-0A2EA95A4F2E}" type="slidenum">
               <a:rPr kumimoji="1" lang="ja-JP" altLang="en-US" smtClean="0"/>
-              <a:t>6</a:t>
+              <a:t>7</a:t>
             </a:fld>
             <a:endParaRPr kumimoji="1" lang="ja-JP" altLang="en-US"/>
           </a:p>
@@ -4245,7 +4246,7 @@
           <a:p>
             <a:fld id="{E5F90759-CC1A-4AAB-9F3B-0A2EA95A4F2E}" type="slidenum">
               <a:rPr kumimoji="1" lang="ja-JP" altLang="en-US" smtClean="0"/>
-              <a:t>8</a:t>
+              <a:t>9</a:t>
             </a:fld>
             <a:endParaRPr kumimoji="1" lang="ja-JP" altLang="en-US"/>
           </a:p>
@@ -4353,7 +4354,7 @@
           <a:p>
             <a:fld id="{E5F90759-CC1A-4AAB-9F3B-0A2EA95A4F2E}" type="slidenum">
               <a:rPr kumimoji="1" lang="ja-JP" altLang="en-US" smtClean="0"/>
-              <a:t>9</a:t>
+              <a:t>10</a:t>
             </a:fld>
             <a:endParaRPr kumimoji="1" lang="ja-JP" altLang="en-US"/>
           </a:p>
@@ -4503,7 +4504,7 @@
           <a:p>
             <a:fld id="{60298689-48CD-4259-9038-2217EF5F099A}" type="datetime1">
               <a:rPr kumimoji="1" lang="ja-JP" altLang="en-US" smtClean="0"/>
-              <a:t>2021/7/26</a:t>
+              <a:t>2021/8/6</a:t>
             </a:fld>
             <a:endParaRPr kumimoji="1" lang="ja-JP" altLang="en-US"/>
           </a:p>
@@ -4705,7 +4706,7 @@
           <a:p>
             <a:fld id="{FB60420E-1B00-40F3-A135-033FB5DC59C2}" type="datetime1">
               <a:rPr kumimoji="1" lang="ja-JP" altLang="en-US" smtClean="0"/>
-              <a:t>2021/7/26</a:t>
+              <a:t>2021/8/6</a:t>
             </a:fld>
             <a:endParaRPr kumimoji="1" lang="ja-JP" altLang="en-US"/>
           </a:p>
@@ -4917,7 +4918,7 @@
           <a:p>
             <a:fld id="{DD2835C8-0161-4371-80E8-4A98500FE8B9}" type="datetime1">
               <a:rPr kumimoji="1" lang="ja-JP" altLang="en-US" smtClean="0"/>
-              <a:t>2021/7/26</a:t>
+              <a:t>2021/8/6</a:t>
             </a:fld>
             <a:endParaRPr kumimoji="1" lang="ja-JP" altLang="en-US"/>
           </a:p>
@@ -5119,7 +5120,7 @@
           <a:p>
             <a:fld id="{241FBB24-30E9-4B4C-A6F8-6B7289BFFA8D}" type="datetime1">
               <a:rPr kumimoji="1" lang="ja-JP" altLang="en-US" smtClean="0"/>
-              <a:t>2021/7/26</a:t>
+              <a:t>2021/8/6</a:t>
             </a:fld>
             <a:endParaRPr kumimoji="1" lang="ja-JP" altLang="en-US"/>
           </a:p>
@@ -5363,7 +5364,7 @@
           <a:p>
             <a:fld id="{E1F81CF9-59EF-4BE6-9E9F-207C6C251F56}" type="datetime1">
               <a:rPr kumimoji="1" lang="ja-JP" altLang="en-US" smtClean="0"/>
-              <a:t>2021/7/26</a:t>
+              <a:t>2021/8/6</a:t>
             </a:fld>
             <a:endParaRPr kumimoji="1" lang="ja-JP" altLang="en-US"/>
           </a:p>
@@ -5659,7 +5660,7 @@
           <a:p>
             <a:fld id="{9C1F28FB-F01A-4A62-862D-CB4444A06E7A}" type="datetime1">
               <a:rPr kumimoji="1" lang="ja-JP" altLang="en-US" smtClean="0"/>
-              <a:t>2021/7/26</a:t>
+              <a:t>2021/8/6</a:t>
             </a:fld>
             <a:endParaRPr kumimoji="1" lang="ja-JP" altLang="en-US"/>
           </a:p>
@@ -6090,7 +6091,7 @@
           <a:p>
             <a:fld id="{DA2A1D13-52AA-4362-8188-CF87C833908C}" type="datetime1">
               <a:rPr kumimoji="1" lang="ja-JP" altLang="en-US" smtClean="0"/>
-              <a:t>2021/7/26</a:t>
+              <a:t>2021/8/6</a:t>
             </a:fld>
             <a:endParaRPr kumimoji="1" lang="ja-JP" altLang="en-US"/>
           </a:p>
@@ -6208,7 +6209,7 @@
           <a:p>
             <a:fld id="{261905A0-9A07-42C2-ABD5-A9B0025E8BAB}" type="datetime1">
               <a:rPr kumimoji="1" lang="ja-JP" altLang="en-US" smtClean="0"/>
-              <a:t>2021/7/26</a:t>
+              <a:t>2021/8/6</a:t>
             </a:fld>
             <a:endParaRPr kumimoji="1" lang="ja-JP" altLang="en-US"/>
           </a:p>
@@ -6303,7 +6304,7 @@
           <a:p>
             <a:fld id="{DDDFADB2-0FB9-4CC2-A0C6-E62B1201C266}" type="datetime1">
               <a:rPr kumimoji="1" lang="ja-JP" altLang="en-US" smtClean="0"/>
-              <a:t>2021/7/26</a:t>
+              <a:t>2021/8/6</a:t>
             </a:fld>
             <a:endParaRPr kumimoji="1" lang="ja-JP" altLang="en-US"/>
           </a:p>
@@ -6612,7 +6613,7 @@
           <a:p>
             <a:fld id="{44394B58-FB0D-401D-8F63-B0BD4E2BAC3C}" type="datetime1">
               <a:rPr kumimoji="1" lang="ja-JP" altLang="en-US" smtClean="0"/>
-              <a:t>2021/7/26</a:t>
+              <a:t>2021/8/6</a:t>
             </a:fld>
             <a:endParaRPr kumimoji="1" lang="ja-JP" altLang="en-US"/>
           </a:p>
@@ -6869,7 +6870,7 @@
           <a:p>
             <a:fld id="{E238E92F-BAF6-4146-8323-E44CC04B5451}" type="datetime1">
               <a:rPr kumimoji="1" lang="ja-JP" altLang="en-US" smtClean="0"/>
-              <a:t>2021/7/26</a:t>
+              <a:t>2021/8/6</a:t>
             </a:fld>
             <a:endParaRPr kumimoji="1" lang="ja-JP" altLang="en-US"/>
           </a:p>
@@ -7114,7 +7115,7 @@
           <a:p>
             <a:fld id="{FE4E453E-8FE5-4EB0-8BF7-F6B819EC1DA0}" type="datetime1">
               <a:rPr kumimoji="1" lang="ja-JP" altLang="en-US" smtClean="0"/>
-              <a:t>2021/7/26</a:t>
+              <a:t>2021/8/6</a:t>
             </a:fld>
             <a:endParaRPr kumimoji="1" lang="ja-JP" altLang="en-US"/>
           </a:p>
@@ -7797,6 +7798,403 @@
       </p:sp>
       <p:pic>
         <p:nvPicPr>
+          <p:cNvPr id="11" name="図 10" descr="挿絵, コンピュータ が含まれている画像&#10;&#10;自動的に生成された説明">
+            <a:extLst>
+              <a:ext uri="{FF2B5EF4-FFF2-40B4-BE49-F238E27FC236}">
+                <a16:creationId xmlns:a16="http://schemas.microsoft.com/office/drawing/2014/main" id="{DFA5E989-8D85-478D-8966-0311989D0EED}"/>
+              </a:ext>
+            </a:extLst>
+          </p:cNvPr>
+          <p:cNvPicPr>
+            <a:picLocks noChangeAspect="1"/>
+          </p:cNvPicPr>
+          <p:nvPr/>
+        </p:nvPicPr>
+        <p:blipFill>
+          <a:blip r:embed="rId3">
+            <a:extLst>
+              <a:ext uri="{28A0092B-C50C-407E-A947-70E740481C1C}">
+                <a14:useLocalDpi xmlns:a14="http://schemas.microsoft.com/office/drawing/2010/main" val="0"/>
+              </a:ext>
+            </a:extLst>
+          </a:blip>
+          <a:stretch>
+            <a:fillRect/>
+          </a:stretch>
+        </p:blipFill>
+        <p:spPr>
+          <a:xfrm>
+            <a:off x="362493" y="1230164"/>
+            <a:ext cx="8228772" cy="1376757"/>
+          </a:xfrm>
+          <a:prstGeom prst="rect">
+            <a:avLst/>
+          </a:prstGeom>
+        </p:spPr>
+      </p:pic>
+      <p:pic>
+        <p:nvPicPr>
+          <p:cNvPr id="13" name="図 12" descr="テレビゲームの画面&#10;&#10;中程度の精度で自動的に生成された説明">
+            <a:extLst>
+              <a:ext uri="{FF2B5EF4-FFF2-40B4-BE49-F238E27FC236}">
+                <a16:creationId xmlns:a16="http://schemas.microsoft.com/office/drawing/2014/main" id="{57AB2F5E-891E-45B7-8D15-510128242CD2}"/>
+              </a:ext>
+            </a:extLst>
+          </p:cNvPr>
+          <p:cNvPicPr>
+            <a:picLocks noChangeAspect="1"/>
+          </p:cNvPicPr>
+          <p:nvPr/>
+        </p:nvPicPr>
+        <p:blipFill>
+          <a:blip r:embed="rId4">
+            <a:extLst>
+              <a:ext uri="{28A0092B-C50C-407E-A947-70E740481C1C}">
+                <a14:useLocalDpi xmlns:a14="http://schemas.microsoft.com/office/drawing/2010/main" val="0"/>
+              </a:ext>
+            </a:extLst>
+          </a:blip>
+          <a:stretch>
+            <a:fillRect/>
+          </a:stretch>
+        </p:blipFill>
+        <p:spPr>
+          <a:xfrm>
+            <a:off x="362493" y="4106214"/>
+            <a:ext cx="8228772" cy="1453996"/>
+          </a:xfrm>
+          <a:prstGeom prst="rect">
+            <a:avLst/>
+          </a:prstGeom>
+        </p:spPr>
+      </p:pic>
+      <p:sp>
+        <p:nvSpPr>
+          <p:cNvPr id="12" name="テキスト ボックス 11">
+            <a:extLst>
+              <a:ext uri="{FF2B5EF4-FFF2-40B4-BE49-F238E27FC236}">
+                <a16:creationId xmlns:a16="http://schemas.microsoft.com/office/drawing/2014/main" id="{DC7198EE-7D48-4BBB-8710-C6A27B519F93}"/>
+              </a:ext>
+            </a:extLst>
+          </p:cNvPr>
+          <p:cNvSpPr txBox="1"/>
+          <p:nvPr/>
+        </p:nvSpPr>
+        <p:spPr>
+          <a:xfrm>
+            <a:off x="362493" y="860832"/>
+            <a:ext cx="777095" cy="369332"/>
+          </a:xfrm>
+          <a:prstGeom prst="rect">
+            <a:avLst/>
+          </a:prstGeom>
+          <a:noFill/>
+        </p:spPr>
+        <p:txBody>
+          <a:bodyPr wrap="square" rtlCol="0">
+            <a:spAutoFit/>
+          </a:bodyPr>
+          <a:lstStyle/>
+          <a:p>
+            <a:r>
+              <a:rPr kumimoji="1" lang="ja-JP" altLang="en-US" dirty="0"/>
+              <a:t>応力</a:t>
+            </a:r>
+          </a:p>
+        </p:txBody>
+      </p:sp>
+      <p:sp>
+        <p:nvSpPr>
+          <p:cNvPr id="15" name="テキスト ボックス 14">
+            <a:extLst>
+              <a:ext uri="{FF2B5EF4-FFF2-40B4-BE49-F238E27FC236}">
+                <a16:creationId xmlns:a16="http://schemas.microsoft.com/office/drawing/2014/main" id="{A654CE0D-1A6B-4AF5-BCE9-639AADF5E98A}"/>
+              </a:ext>
+            </a:extLst>
+          </p:cNvPr>
+          <p:cNvSpPr txBox="1"/>
+          <p:nvPr/>
+        </p:nvSpPr>
+        <p:spPr>
+          <a:xfrm>
+            <a:off x="362493" y="3686955"/>
+            <a:ext cx="1350301" cy="369332"/>
+          </a:xfrm>
+          <a:prstGeom prst="rect">
+            <a:avLst/>
+          </a:prstGeom>
+          <a:noFill/>
+        </p:spPr>
+        <p:txBody>
+          <a:bodyPr wrap="square" rtlCol="0">
+            <a:spAutoFit/>
+          </a:bodyPr>
+          <a:lstStyle/>
+          <a:p>
+            <a:r>
+              <a:rPr kumimoji="1" lang="ja-JP" altLang="en-US" dirty="0"/>
+              <a:t>せん断応力</a:t>
+            </a:r>
+          </a:p>
+        </p:txBody>
+      </p:sp>
+      <p:sp>
+        <p:nvSpPr>
+          <p:cNvPr id="16" name="テキスト ボックス 15">
+            <a:extLst>
+              <a:ext uri="{FF2B5EF4-FFF2-40B4-BE49-F238E27FC236}">
+                <a16:creationId xmlns:a16="http://schemas.microsoft.com/office/drawing/2014/main" id="{AFC72074-D9BC-4569-B370-44CB7C191EBC}"/>
+              </a:ext>
+            </a:extLst>
+          </p:cNvPr>
+          <p:cNvSpPr txBox="1"/>
+          <p:nvPr/>
+        </p:nvSpPr>
+        <p:spPr>
+          <a:xfrm>
+            <a:off x="362493" y="2692495"/>
+            <a:ext cx="3056271" cy="369332"/>
+          </a:xfrm>
+          <a:prstGeom prst="rect">
+            <a:avLst/>
+          </a:prstGeom>
+          <a:noFill/>
+        </p:spPr>
+        <p:txBody>
+          <a:bodyPr wrap="square" rtlCol="0">
+            <a:spAutoFit/>
+          </a:bodyPr>
+          <a:lstStyle/>
+          <a:p>
+            <a:r>
+              <a:rPr kumimoji="1" lang="en-US" altLang="ja-JP" dirty="0">
+                <a:latin typeface="+mj-ea"/>
+                <a:ea typeface="+mj-ea"/>
+              </a:rPr>
+              <a:t>CFRP</a:t>
+            </a:r>
+            <a:r>
+              <a:rPr kumimoji="1" lang="ja-JP" altLang="en-US" dirty="0">
+                <a:latin typeface="+mj-ea"/>
+                <a:ea typeface="+mj-ea"/>
+              </a:rPr>
+              <a:t>の内側に高い応力集中</a:t>
+            </a:r>
+            <a:endParaRPr kumimoji="1" lang="en-US" altLang="ja-JP" dirty="0">
+              <a:latin typeface="+mj-ea"/>
+              <a:ea typeface="+mj-ea"/>
+            </a:endParaRPr>
+          </a:p>
+        </p:txBody>
+      </p:sp>
+      <p:sp>
+        <p:nvSpPr>
+          <p:cNvPr id="18" name="テキスト ボックス 17">
+            <a:extLst>
+              <a:ext uri="{FF2B5EF4-FFF2-40B4-BE49-F238E27FC236}">
+                <a16:creationId xmlns:a16="http://schemas.microsoft.com/office/drawing/2014/main" id="{8D03ED82-D795-4A49-B1D0-A2E6F6013F1B}"/>
+              </a:ext>
+            </a:extLst>
+          </p:cNvPr>
+          <p:cNvSpPr txBox="1"/>
+          <p:nvPr/>
+        </p:nvSpPr>
+        <p:spPr>
+          <a:xfrm>
+            <a:off x="362493" y="5670987"/>
+            <a:ext cx="4509758" cy="646331"/>
+          </a:xfrm>
+          <a:prstGeom prst="rect">
+            <a:avLst/>
+          </a:prstGeom>
+          <a:noFill/>
+        </p:spPr>
+        <p:txBody>
+          <a:bodyPr wrap="square" rtlCol="0">
+            <a:spAutoFit/>
+          </a:bodyPr>
+          <a:lstStyle/>
+          <a:p>
+            <a:r>
+              <a:rPr kumimoji="1" lang="en-US" altLang="ja-JP" dirty="0">
+                <a:latin typeface="+mj-ea"/>
+                <a:ea typeface="+mj-ea"/>
+              </a:rPr>
+              <a:t>CFRP</a:t>
+            </a:r>
+            <a:r>
+              <a:rPr kumimoji="1" lang="ja-JP" altLang="en-US" dirty="0">
+                <a:latin typeface="+mj-ea"/>
+                <a:ea typeface="+mj-ea"/>
+              </a:rPr>
+              <a:t>の端部に高い応力が発生</a:t>
+            </a:r>
+            <a:endParaRPr kumimoji="1" lang="en-US" altLang="ja-JP" dirty="0">
+              <a:latin typeface="+mj-ea"/>
+              <a:ea typeface="+mj-ea"/>
+            </a:endParaRPr>
+          </a:p>
+          <a:p>
+            <a:r>
+              <a:rPr kumimoji="1" lang="ja-JP" altLang="en-US" dirty="0">
+                <a:latin typeface="+mj-ea"/>
+                <a:ea typeface="+mj-ea"/>
+              </a:rPr>
+              <a:t>→</a:t>
+            </a:r>
+            <a:r>
+              <a:rPr kumimoji="1" lang="en-US" altLang="ja-JP" dirty="0">
+                <a:latin typeface="+mj-ea"/>
+                <a:ea typeface="+mj-ea"/>
+              </a:rPr>
+              <a:t> CFRP</a:t>
+            </a:r>
+            <a:r>
+              <a:rPr kumimoji="1" lang="ja-JP" altLang="en-US" dirty="0">
+                <a:latin typeface="+mj-ea"/>
+                <a:ea typeface="+mj-ea"/>
+              </a:rPr>
+              <a:t>の端部付近のエポキシ樹脂が破壊</a:t>
+            </a:r>
+          </a:p>
+        </p:txBody>
+      </p:sp>
+      <p:sp>
+        <p:nvSpPr>
+          <p:cNvPr id="10" name="正方形/長方形 9">
+            <a:extLst>
+              <a:ext uri="{FF2B5EF4-FFF2-40B4-BE49-F238E27FC236}">
+                <a16:creationId xmlns:a16="http://schemas.microsoft.com/office/drawing/2014/main" id="{6135B340-FBCF-4C48-97AD-6563804B3666}"/>
+              </a:ext>
+            </a:extLst>
+          </p:cNvPr>
+          <p:cNvSpPr/>
+          <p:nvPr/>
+        </p:nvSpPr>
+        <p:spPr>
+          <a:xfrm flipV="1">
+            <a:off x="0" y="573143"/>
+            <a:ext cx="9144000" cy="56512"/>
+          </a:xfrm>
+          <a:prstGeom prst="rect">
+            <a:avLst/>
+          </a:prstGeom>
+          <a:solidFill>
+            <a:schemeClr val="bg1">
+              <a:lumMod val="50000"/>
+            </a:schemeClr>
+          </a:solidFill>
+          <a:ln>
+            <a:noFill/>
+          </a:ln>
+        </p:spPr>
+        <p:style>
+          <a:lnRef idx="2">
+            <a:schemeClr val="accent1">
+              <a:shade val="50000"/>
+            </a:schemeClr>
+          </a:lnRef>
+          <a:fillRef idx="1">
+            <a:schemeClr val="accent1"/>
+          </a:fillRef>
+          <a:effectRef idx="0">
+            <a:schemeClr val="accent1"/>
+          </a:effectRef>
+          <a:fontRef idx="minor">
+            <a:schemeClr val="lt1"/>
+          </a:fontRef>
+        </p:style>
+        <p:txBody>
+          <a:bodyPr rtlCol="0" anchor="ctr"/>
+          <a:lstStyle/>
+          <a:p>
+            <a:pPr algn="ctr"/>
+            <a:endParaRPr kumimoji="1" lang="ja-JP" altLang="en-US"/>
+          </a:p>
+        </p:txBody>
+      </p:sp>
+    </p:spTree>
+    <p:extLst>
+      <p:ext uri="{BB962C8B-B14F-4D97-AF65-F5344CB8AC3E}">
+        <p14:creationId xmlns:p14="http://schemas.microsoft.com/office/powerpoint/2010/main" val="3678441315"/>
+      </p:ext>
+    </p:extLst>
+  </p:cSld>
+  <p:clrMapOvr>
+    <a:masterClrMapping/>
+  </p:clrMapOvr>
+</p:sld>
+</file>
+
+<file path=ppt/slides/slide11.xml><?xml version="1.0" encoding="utf-8"?>
+<p:sld xmlns:a="http://schemas.openxmlformats.org/drawingml/2006/main" xmlns:r="http://schemas.openxmlformats.org/officeDocument/2006/relationships" xmlns:p="http://schemas.openxmlformats.org/presentationml/2006/main">
+  <p:cSld>
+    <p:spTree>
+      <p:nvGrpSpPr>
+        <p:cNvPr id="1" name=""/>
+        <p:cNvGrpSpPr/>
+        <p:nvPr/>
+      </p:nvGrpSpPr>
+      <p:grpSpPr>
+        <a:xfrm>
+          <a:off x="0" y="0"/>
+          <a:ext cx="0" cy="0"/>
+          <a:chOff x="0" y="0"/>
+          <a:chExt cx="0" cy="0"/>
+        </a:xfrm>
+      </p:grpSpPr>
+      <p:sp>
+        <p:nvSpPr>
+          <p:cNvPr id="55" name="テキスト ボックス 54">
+            <a:extLst>
+              <a:ext uri="{FF2B5EF4-FFF2-40B4-BE49-F238E27FC236}">
+                <a16:creationId xmlns:a16="http://schemas.microsoft.com/office/drawing/2014/main" id="{58102F80-3624-4A1B-B3E0-AA135B1540AC}"/>
+              </a:ext>
+            </a:extLst>
+          </p:cNvPr>
+          <p:cNvSpPr txBox="1"/>
+          <p:nvPr/>
+        </p:nvSpPr>
+        <p:spPr>
+          <a:xfrm flipH="1">
+            <a:off x="212368" y="101952"/>
+            <a:ext cx="8078869" cy="461665"/>
+          </a:xfrm>
+          <a:prstGeom prst="rect">
+            <a:avLst/>
+          </a:prstGeom>
+          <a:noFill/>
+        </p:spPr>
+        <p:txBody>
+          <a:bodyPr wrap="square" rtlCol="0">
+            <a:spAutoFit/>
+          </a:bodyPr>
+          <a:lstStyle/>
+          <a:p>
+            <a:r>
+              <a:rPr kumimoji="1" lang="ja-JP" altLang="en-US" sz="2400" b="1" dirty="0">
+                <a:solidFill>
+                  <a:schemeClr val="accent1">
+                    <a:lumMod val="50000"/>
+                  </a:schemeClr>
+                </a:solidFill>
+                <a:latin typeface="+mn-ea"/>
+              </a:rPr>
+              <a:t>解析結果</a:t>
+            </a:r>
+            <a:endParaRPr kumimoji="1" lang="en-US" altLang="ja-JP" sz="2400" b="1" dirty="0">
+              <a:solidFill>
+                <a:schemeClr val="accent1">
+                  <a:lumMod val="50000"/>
+                </a:schemeClr>
+              </a:solidFill>
+              <a:latin typeface="+mn-ea"/>
+            </a:endParaRPr>
+          </a:p>
+        </p:txBody>
+      </p:sp>
+      <p:pic>
+        <p:nvPicPr>
           <p:cNvPr id="3" name="図 2">
             <a:extLst>
               <a:ext uri="{FF2B5EF4-FFF2-40B4-BE49-F238E27FC236}">
@@ -8445,7 +8843,7 @@
 </p:sld>
 </file>
 
-<file path=ppt/slides/slide11.xml><?xml version="1.0" encoding="utf-8"?>
+<file path=ppt/slides/slide12.xml><?xml version="1.0" encoding="utf-8"?>
 <p:sld xmlns:a="http://schemas.openxmlformats.org/drawingml/2006/main" xmlns:r="http://schemas.openxmlformats.org/officeDocument/2006/relationships" xmlns:p="http://schemas.openxmlformats.org/presentationml/2006/main">
   <p:cSld>
     <p:spTree>
@@ -8926,7 +9324,7 @@
 </p:sld>
 </file>
 
-<file path=ppt/slides/slide12.xml><?xml version="1.0" encoding="utf-8"?>
+<file path=ppt/slides/slide13.xml><?xml version="1.0" encoding="utf-8"?>
 <p:sld xmlns:a="http://schemas.openxmlformats.org/drawingml/2006/main" xmlns:r="http://schemas.openxmlformats.org/officeDocument/2006/relationships" xmlns:p="http://schemas.openxmlformats.org/presentationml/2006/main">
   <p:cSld>
     <p:spTree>
@@ -8992,7 +9390,7 @@
 </p:sld>
 </file>
 
-<file path=ppt/slides/slide13.xml><?xml version="1.0" encoding="utf-8"?>
+<file path=ppt/slides/slide14.xml><?xml version="1.0" encoding="utf-8"?>
 <p:sld xmlns:a="http://schemas.openxmlformats.org/drawingml/2006/main" xmlns:r="http://schemas.openxmlformats.org/officeDocument/2006/relationships" xmlns:p="http://schemas.openxmlformats.org/presentationml/2006/main">
   <p:cSld>
     <p:spTree>
@@ -12184,6 +12582,96 @@
 </file>
 
 <file path=ppt/slides/slide5.xml><?xml version="1.0" encoding="utf-8"?>
+<p:sld xmlns:a="http://schemas.openxmlformats.org/drawingml/2006/main" xmlns:r="http://schemas.openxmlformats.org/officeDocument/2006/relationships" xmlns:p="http://schemas.openxmlformats.org/presentationml/2006/main">
+  <p:cSld>
+    <p:spTree>
+      <p:nvGrpSpPr>
+        <p:cNvPr id="1" name=""/>
+        <p:cNvGrpSpPr/>
+        <p:nvPr/>
+      </p:nvGrpSpPr>
+      <p:grpSpPr>
+        <a:xfrm>
+          <a:off x="0" y="0"/>
+          <a:ext cx="0" cy="0"/>
+          <a:chOff x="0" y="0"/>
+          <a:chExt cx="0" cy="0"/>
+        </a:xfrm>
+      </p:grpSpPr>
+      <p:sp>
+        <p:nvSpPr>
+          <p:cNvPr id="2" name="タイトル 1">
+            <a:extLst>
+              <a:ext uri="{FF2B5EF4-FFF2-40B4-BE49-F238E27FC236}">
+                <a16:creationId xmlns:a16="http://schemas.microsoft.com/office/drawing/2014/main" id="{D988659D-7D88-0A4D-8F2B-15E8977C3ED4}"/>
+              </a:ext>
+            </a:extLst>
+          </p:cNvPr>
+          <p:cNvSpPr>
+            <a:spLocks noGrp="1"/>
+          </p:cNvSpPr>
+          <p:nvPr>
+            <p:ph type="title"/>
+          </p:nvPr>
+        </p:nvSpPr>
+        <p:spPr/>
+        <p:txBody>
+          <a:bodyPr/>
+          <a:lstStyle/>
+          <a:p>
+            <a:endParaRPr kumimoji="1" lang="ja-JP" altLang="en-US"/>
+          </a:p>
+        </p:txBody>
+      </p:sp>
+      <p:sp>
+        <p:nvSpPr>
+          <p:cNvPr id="3" name="コンテンツ プレースホルダー 2">
+            <a:extLst>
+              <a:ext uri="{FF2B5EF4-FFF2-40B4-BE49-F238E27FC236}">
+                <a16:creationId xmlns:a16="http://schemas.microsoft.com/office/drawing/2014/main" id="{20F28601-7A98-8D4F-B83B-225E63D4CFA8}"/>
+              </a:ext>
+            </a:extLst>
+          </p:cNvPr>
+          <p:cNvSpPr>
+            <a:spLocks noGrp="1"/>
+          </p:cNvSpPr>
+          <p:nvPr>
+            <p:ph idx="1"/>
+          </p:nvPr>
+        </p:nvSpPr>
+        <p:spPr/>
+        <p:txBody>
+          <a:bodyPr/>
+          <a:lstStyle/>
+          <a:p>
+            <a:r>
+              <a:rPr kumimoji="1" lang="ja-JP" altLang="en-US"/>
+              <a:t>ひずみは出力時間と引張速度から算出</a:t>
+            </a:r>
+            <a:endParaRPr kumimoji="1" lang="en-US" altLang="ja-JP" dirty="0"/>
+          </a:p>
+          <a:p>
+            <a:r>
+              <a:rPr kumimoji="1" lang="ja-JP" altLang="en-US"/>
+              <a:t>断面積は</a:t>
+            </a:r>
+          </a:p>
+        </p:txBody>
+      </p:sp>
+    </p:spTree>
+    <p:extLst>
+      <p:ext uri="{BB962C8B-B14F-4D97-AF65-F5344CB8AC3E}">
+        <p14:creationId xmlns:p14="http://schemas.microsoft.com/office/powerpoint/2010/main" val="3392644553"/>
+      </p:ext>
+    </p:extLst>
+  </p:cSld>
+  <p:clrMapOvr>
+    <a:masterClrMapping/>
+  </p:clrMapOvr>
+</p:sld>
+</file>
+
+<file path=ppt/slides/slide6.xml><?xml version="1.0" encoding="utf-8"?>
 <p:sld xmlns:a="http://schemas.openxmlformats.org/drawingml/2006/main" xmlns:r="http://schemas.openxmlformats.org/officeDocument/2006/relationships" xmlns:p="http://schemas.openxmlformats.org/presentationml/2006/main">
   <p:cSld>
     <p:spTree>
@@ -13597,7 +14085,7 @@
 </p:sld>
 </file>
 
-<file path=ppt/slides/slide6.xml><?xml version="1.0" encoding="utf-8"?>
+<file path=ppt/slides/slide7.xml><?xml version="1.0" encoding="utf-8"?>
 <p:sld xmlns:a="http://schemas.openxmlformats.org/drawingml/2006/main" xmlns:r="http://schemas.openxmlformats.org/officeDocument/2006/relationships" xmlns:p="http://schemas.openxmlformats.org/presentationml/2006/main">
   <p:cSld>
     <p:spTree>
@@ -17253,7 +17741,7 @@
 </p:sld>
 </file>
 
-<file path=ppt/slides/slide7.xml><?xml version="1.0" encoding="utf-8"?>
+<file path=ppt/slides/slide8.xml><?xml version="1.0" encoding="utf-8"?>
 <p:sld xmlns:a="http://schemas.openxmlformats.org/drawingml/2006/main" xmlns:r="http://schemas.openxmlformats.org/officeDocument/2006/relationships" xmlns:p="http://schemas.openxmlformats.org/presentationml/2006/main">
   <p:cSld>
     <p:spTree>
@@ -18288,7 +18776,7 @@
 </p:sld>
 </file>
 
-<file path=ppt/slides/slide8.xml><?xml version="1.0" encoding="utf-8"?>
+<file path=ppt/slides/slide9.xml><?xml version="1.0" encoding="utf-8"?>
 <p:sld xmlns:a="http://schemas.openxmlformats.org/drawingml/2006/main" xmlns:r="http://schemas.openxmlformats.org/officeDocument/2006/relationships" xmlns:p="http://schemas.openxmlformats.org/presentationml/2006/main">
   <p:cSld>
     <p:spTree>
@@ -19586,403 +20074,6 @@
     <p:extLst>
       <p:ext uri="{BB962C8B-B14F-4D97-AF65-F5344CB8AC3E}">
         <p14:creationId xmlns:p14="http://schemas.microsoft.com/office/powerpoint/2010/main" val="2011023662"/>
-      </p:ext>
-    </p:extLst>
-  </p:cSld>
-  <p:clrMapOvr>
-    <a:masterClrMapping/>
-  </p:clrMapOvr>
-</p:sld>
-</file>
-
-<file path=ppt/slides/slide9.xml><?xml version="1.0" encoding="utf-8"?>
-<p:sld xmlns:a="http://schemas.openxmlformats.org/drawingml/2006/main" xmlns:r="http://schemas.openxmlformats.org/officeDocument/2006/relationships" xmlns:p="http://schemas.openxmlformats.org/presentationml/2006/main">
-  <p:cSld>
-    <p:spTree>
-      <p:nvGrpSpPr>
-        <p:cNvPr id="1" name=""/>
-        <p:cNvGrpSpPr/>
-        <p:nvPr/>
-      </p:nvGrpSpPr>
-      <p:grpSpPr>
-        <a:xfrm>
-          <a:off x="0" y="0"/>
-          <a:ext cx="0" cy="0"/>
-          <a:chOff x="0" y="0"/>
-          <a:chExt cx="0" cy="0"/>
-        </a:xfrm>
-      </p:grpSpPr>
-      <p:sp>
-        <p:nvSpPr>
-          <p:cNvPr id="55" name="テキスト ボックス 54">
-            <a:extLst>
-              <a:ext uri="{FF2B5EF4-FFF2-40B4-BE49-F238E27FC236}">
-                <a16:creationId xmlns:a16="http://schemas.microsoft.com/office/drawing/2014/main" id="{58102F80-3624-4A1B-B3E0-AA135B1540AC}"/>
-              </a:ext>
-            </a:extLst>
-          </p:cNvPr>
-          <p:cNvSpPr txBox="1"/>
-          <p:nvPr/>
-        </p:nvSpPr>
-        <p:spPr>
-          <a:xfrm flipH="1">
-            <a:off x="212368" y="101952"/>
-            <a:ext cx="8078869" cy="461665"/>
-          </a:xfrm>
-          <a:prstGeom prst="rect">
-            <a:avLst/>
-          </a:prstGeom>
-          <a:noFill/>
-        </p:spPr>
-        <p:txBody>
-          <a:bodyPr wrap="square" rtlCol="0">
-            <a:spAutoFit/>
-          </a:bodyPr>
-          <a:lstStyle/>
-          <a:p>
-            <a:r>
-              <a:rPr kumimoji="1" lang="ja-JP" altLang="en-US" sz="2400" b="1" dirty="0">
-                <a:solidFill>
-                  <a:schemeClr val="accent1">
-                    <a:lumMod val="50000"/>
-                  </a:schemeClr>
-                </a:solidFill>
-                <a:latin typeface="+mn-ea"/>
-              </a:rPr>
-              <a:t>解析結果</a:t>
-            </a:r>
-            <a:endParaRPr kumimoji="1" lang="en-US" altLang="ja-JP" sz="2400" b="1" dirty="0">
-              <a:solidFill>
-                <a:schemeClr val="accent1">
-                  <a:lumMod val="50000"/>
-                </a:schemeClr>
-              </a:solidFill>
-              <a:latin typeface="+mn-ea"/>
-            </a:endParaRPr>
-          </a:p>
-        </p:txBody>
-      </p:sp>
-      <p:pic>
-        <p:nvPicPr>
-          <p:cNvPr id="11" name="図 10" descr="挿絵, コンピュータ が含まれている画像&#10;&#10;自動的に生成された説明">
-            <a:extLst>
-              <a:ext uri="{FF2B5EF4-FFF2-40B4-BE49-F238E27FC236}">
-                <a16:creationId xmlns:a16="http://schemas.microsoft.com/office/drawing/2014/main" id="{DFA5E989-8D85-478D-8966-0311989D0EED}"/>
-              </a:ext>
-            </a:extLst>
-          </p:cNvPr>
-          <p:cNvPicPr>
-            <a:picLocks noChangeAspect="1"/>
-          </p:cNvPicPr>
-          <p:nvPr/>
-        </p:nvPicPr>
-        <p:blipFill>
-          <a:blip r:embed="rId3">
-            <a:extLst>
-              <a:ext uri="{28A0092B-C50C-407E-A947-70E740481C1C}">
-                <a14:useLocalDpi xmlns:a14="http://schemas.microsoft.com/office/drawing/2010/main" val="0"/>
-              </a:ext>
-            </a:extLst>
-          </a:blip>
-          <a:stretch>
-            <a:fillRect/>
-          </a:stretch>
-        </p:blipFill>
-        <p:spPr>
-          <a:xfrm>
-            <a:off x="362493" y="1230164"/>
-            <a:ext cx="8228772" cy="1376757"/>
-          </a:xfrm>
-          <a:prstGeom prst="rect">
-            <a:avLst/>
-          </a:prstGeom>
-        </p:spPr>
-      </p:pic>
-      <p:pic>
-        <p:nvPicPr>
-          <p:cNvPr id="13" name="図 12" descr="テレビゲームの画面&#10;&#10;中程度の精度で自動的に生成された説明">
-            <a:extLst>
-              <a:ext uri="{FF2B5EF4-FFF2-40B4-BE49-F238E27FC236}">
-                <a16:creationId xmlns:a16="http://schemas.microsoft.com/office/drawing/2014/main" id="{57AB2F5E-891E-45B7-8D15-510128242CD2}"/>
-              </a:ext>
-            </a:extLst>
-          </p:cNvPr>
-          <p:cNvPicPr>
-            <a:picLocks noChangeAspect="1"/>
-          </p:cNvPicPr>
-          <p:nvPr/>
-        </p:nvPicPr>
-        <p:blipFill>
-          <a:blip r:embed="rId4">
-            <a:extLst>
-              <a:ext uri="{28A0092B-C50C-407E-A947-70E740481C1C}">
-                <a14:useLocalDpi xmlns:a14="http://schemas.microsoft.com/office/drawing/2010/main" val="0"/>
-              </a:ext>
-            </a:extLst>
-          </a:blip>
-          <a:stretch>
-            <a:fillRect/>
-          </a:stretch>
-        </p:blipFill>
-        <p:spPr>
-          <a:xfrm>
-            <a:off x="362493" y="4106214"/>
-            <a:ext cx="8228772" cy="1453996"/>
-          </a:xfrm>
-          <a:prstGeom prst="rect">
-            <a:avLst/>
-          </a:prstGeom>
-        </p:spPr>
-      </p:pic>
-      <p:sp>
-        <p:nvSpPr>
-          <p:cNvPr id="12" name="テキスト ボックス 11">
-            <a:extLst>
-              <a:ext uri="{FF2B5EF4-FFF2-40B4-BE49-F238E27FC236}">
-                <a16:creationId xmlns:a16="http://schemas.microsoft.com/office/drawing/2014/main" id="{DC7198EE-7D48-4BBB-8710-C6A27B519F93}"/>
-              </a:ext>
-            </a:extLst>
-          </p:cNvPr>
-          <p:cNvSpPr txBox="1"/>
-          <p:nvPr/>
-        </p:nvSpPr>
-        <p:spPr>
-          <a:xfrm>
-            <a:off x="362493" y="860832"/>
-            <a:ext cx="777095" cy="369332"/>
-          </a:xfrm>
-          <a:prstGeom prst="rect">
-            <a:avLst/>
-          </a:prstGeom>
-          <a:noFill/>
-        </p:spPr>
-        <p:txBody>
-          <a:bodyPr wrap="square" rtlCol="0">
-            <a:spAutoFit/>
-          </a:bodyPr>
-          <a:lstStyle/>
-          <a:p>
-            <a:r>
-              <a:rPr kumimoji="1" lang="ja-JP" altLang="en-US" dirty="0"/>
-              <a:t>応力</a:t>
-            </a:r>
-          </a:p>
-        </p:txBody>
-      </p:sp>
-      <p:sp>
-        <p:nvSpPr>
-          <p:cNvPr id="15" name="テキスト ボックス 14">
-            <a:extLst>
-              <a:ext uri="{FF2B5EF4-FFF2-40B4-BE49-F238E27FC236}">
-                <a16:creationId xmlns:a16="http://schemas.microsoft.com/office/drawing/2014/main" id="{A654CE0D-1A6B-4AF5-BCE9-639AADF5E98A}"/>
-              </a:ext>
-            </a:extLst>
-          </p:cNvPr>
-          <p:cNvSpPr txBox="1"/>
-          <p:nvPr/>
-        </p:nvSpPr>
-        <p:spPr>
-          <a:xfrm>
-            <a:off x="362493" y="3686955"/>
-            <a:ext cx="1350301" cy="369332"/>
-          </a:xfrm>
-          <a:prstGeom prst="rect">
-            <a:avLst/>
-          </a:prstGeom>
-          <a:noFill/>
-        </p:spPr>
-        <p:txBody>
-          <a:bodyPr wrap="square" rtlCol="0">
-            <a:spAutoFit/>
-          </a:bodyPr>
-          <a:lstStyle/>
-          <a:p>
-            <a:r>
-              <a:rPr kumimoji="1" lang="ja-JP" altLang="en-US" dirty="0"/>
-              <a:t>せん断応力</a:t>
-            </a:r>
-          </a:p>
-        </p:txBody>
-      </p:sp>
-      <p:sp>
-        <p:nvSpPr>
-          <p:cNvPr id="16" name="テキスト ボックス 15">
-            <a:extLst>
-              <a:ext uri="{FF2B5EF4-FFF2-40B4-BE49-F238E27FC236}">
-                <a16:creationId xmlns:a16="http://schemas.microsoft.com/office/drawing/2014/main" id="{AFC72074-D9BC-4569-B370-44CB7C191EBC}"/>
-              </a:ext>
-            </a:extLst>
-          </p:cNvPr>
-          <p:cNvSpPr txBox="1"/>
-          <p:nvPr/>
-        </p:nvSpPr>
-        <p:spPr>
-          <a:xfrm>
-            <a:off x="362493" y="2692495"/>
-            <a:ext cx="3056271" cy="369332"/>
-          </a:xfrm>
-          <a:prstGeom prst="rect">
-            <a:avLst/>
-          </a:prstGeom>
-          <a:noFill/>
-        </p:spPr>
-        <p:txBody>
-          <a:bodyPr wrap="square" rtlCol="0">
-            <a:spAutoFit/>
-          </a:bodyPr>
-          <a:lstStyle/>
-          <a:p>
-            <a:r>
-              <a:rPr kumimoji="1" lang="en-US" altLang="ja-JP" dirty="0">
-                <a:latin typeface="+mj-ea"/>
-                <a:ea typeface="+mj-ea"/>
-              </a:rPr>
-              <a:t>CFRP</a:t>
-            </a:r>
-            <a:r>
-              <a:rPr kumimoji="1" lang="ja-JP" altLang="en-US" dirty="0">
-                <a:latin typeface="+mj-ea"/>
-                <a:ea typeface="+mj-ea"/>
-              </a:rPr>
-              <a:t>の内側に高い応力集中</a:t>
-            </a:r>
-            <a:endParaRPr kumimoji="1" lang="en-US" altLang="ja-JP" dirty="0">
-              <a:latin typeface="+mj-ea"/>
-              <a:ea typeface="+mj-ea"/>
-            </a:endParaRPr>
-          </a:p>
-        </p:txBody>
-      </p:sp>
-      <p:sp>
-        <p:nvSpPr>
-          <p:cNvPr id="18" name="テキスト ボックス 17">
-            <a:extLst>
-              <a:ext uri="{FF2B5EF4-FFF2-40B4-BE49-F238E27FC236}">
-                <a16:creationId xmlns:a16="http://schemas.microsoft.com/office/drawing/2014/main" id="{8D03ED82-D795-4A49-B1D0-A2E6F6013F1B}"/>
-              </a:ext>
-            </a:extLst>
-          </p:cNvPr>
-          <p:cNvSpPr txBox="1"/>
-          <p:nvPr/>
-        </p:nvSpPr>
-        <p:spPr>
-          <a:xfrm>
-            <a:off x="362493" y="5670987"/>
-            <a:ext cx="4509758" cy="646331"/>
-          </a:xfrm>
-          <a:prstGeom prst="rect">
-            <a:avLst/>
-          </a:prstGeom>
-          <a:noFill/>
-        </p:spPr>
-        <p:txBody>
-          <a:bodyPr wrap="square" rtlCol="0">
-            <a:spAutoFit/>
-          </a:bodyPr>
-          <a:lstStyle/>
-          <a:p>
-            <a:r>
-              <a:rPr kumimoji="1" lang="en-US" altLang="ja-JP" dirty="0">
-                <a:latin typeface="+mj-ea"/>
-                <a:ea typeface="+mj-ea"/>
-              </a:rPr>
-              <a:t>CFRP</a:t>
-            </a:r>
-            <a:r>
-              <a:rPr kumimoji="1" lang="ja-JP" altLang="en-US" dirty="0">
-                <a:latin typeface="+mj-ea"/>
-                <a:ea typeface="+mj-ea"/>
-              </a:rPr>
-              <a:t>の端部に高い応力が発生</a:t>
-            </a:r>
-            <a:endParaRPr kumimoji="1" lang="en-US" altLang="ja-JP" dirty="0">
-              <a:latin typeface="+mj-ea"/>
-              <a:ea typeface="+mj-ea"/>
-            </a:endParaRPr>
-          </a:p>
-          <a:p>
-            <a:r>
-              <a:rPr kumimoji="1" lang="ja-JP" altLang="en-US" dirty="0">
-                <a:latin typeface="+mj-ea"/>
-                <a:ea typeface="+mj-ea"/>
-              </a:rPr>
-              <a:t>→</a:t>
-            </a:r>
-            <a:r>
-              <a:rPr kumimoji="1" lang="en-US" altLang="ja-JP" dirty="0">
-                <a:latin typeface="+mj-ea"/>
-                <a:ea typeface="+mj-ea"/>
-              </a:rPr>
-              <a:t> CFRP</a:t>
-            </a:r>
-            <a:r>
-              <a:rPr kumimoji="1" lang="ja-JP" altLang="en-US" dirty="0">
-                <a:latin typeface="+mj-ea"/>
-                <a:ea typeface="+mj-ea"/>
-              </a:rPr>
-              <a:t>の端部付近のエポキシ樹脂が破壊</a:t>
-            </a:r>
-          </a:p>
-        </p:txBody>
-      </p:sp>
-      <p:sp>
-        <p:nvSpPr>
-          <p:cNvPr id="10" name="正方形/長方形 9">
-            <a:extLst>
-              <a:ext uri="{FF2B5EF4-FFF2-40B4-BE49-F238E27FC236}">
-                <a16:creationId xmlns:a16="http://schemas.microsoft.com/office/drawing/2014/main" id="{6135B340-FBCF-4C48-97AD-6563804B3666}"/>
-              </a:ext>
-            </a:extLst>
-          </p:cNvPr>
-          <p:cNvSpPr/>
-          <p:nvPr/>
-        </p:nvSpPr>
-        <p:spPr>
-          <a:xfrm flipV="1">
-            <a:off x="0" y="573143"/>
-            <a:ext cx="9144000" cy="56512"/>
-          </a:xfrm>
-          <a:prstGeom prst="rect">
-            <a:avLst/>
-          </a:prstGeom>
-          <a:solidFill>
-            <a:schemeClr val="bg1">
-              <a:lumMod val="50000"/>
-            </a:schemeClr>
-          </a:solidFill>
-          <a:ln>
-            <a:noFill/>
-          </a:ln>
-        </p:spPr>
-        <p:style>
-          <a:lnRef idx="2">
-            <a:schemeClr val="accent1">
-              <a:shade val="50000"/>
-            </a:schemeClr>
-          </a:lnRef>
-          <a:fillRef idx="1">
-            <a:schemeClr val="accent1"/>
-          </a:fillRef>
-          <a:effectRef idx="0">
-            <a:schemeClr val="accent1"/>
-          </a:effectRef>
-          <a:fontRef idx="minor">
-            <a:schemeClr val="lt1"/>
-          </a:fontRef>
-        </p:style>
-        <p:txBody>
-          <a:bodyPr rtlCol="0" anchor="ctr"/>
-          <a:lstStyle/>
-          <a:p>
-            <a:pPr algn="ctr"/>
-            <a:endParaRPr kumimoji="1" lang="ja-JP" altLang="en-US"/>
-          </a:p>
-        </p:txBody>
-      </p:sp>
-    </p:spTree>
-    <p:extLst>
-      <p:ext uri="{BB962C8B-B14F-4D97-AF65-F5344CB8AC3E}">
-        <p14:creationId xmlns:p14="http://schemas.microsoft.com/office/powerpoint/2010/main" val="3678441315"/>
       </p:ext>
     </p:extLst>
   </p:cSld>
